--- a/documentation/Izgradnja sufiksnog polja korištenjem Kärkkäinen – Sandersovog algoritma.pptx
+++ b/documentation/Izgradnja sufiksnog polja korištenjem Kärkkäinen – Sandersovog algoritma.pptx
@@ -113,6 +113,11 @@
       </a:defRPr>
     </a:lvl9pPr>
   </p:defaultTextStyle>
+  <p:extLst>
+    <p:ext uri="{EFAFB233-063F-42B5-8137-9DF3F51BA10A}">
+      <p15:sldGuideLst xmlns:p15="http://schemas.microsoft.com/office/powerpoint/2012/main"/>
+    </p:ext>
+  </p:extLst>
 </p:presentation>
 </file>
 
@@ -6173,32 +6178,45 @@
           <a:p>
             <a:r>
               <a:rPr lang="hr-HR" dirty="0" smtClean="0"/>
-              <a:t>Petra </a:t>
-            </a:r>
-            <a:r>
-              <a:rPr lang="hr-HR" dirty="0"/>
-              <a:t>Bevandić, 0036449075</a:t>
-            </a:r>
-            <a:endParaRPr lang="en-US" dirty="0"/>
-          </a:p>
-          <a:p>
+              <a:t>0036449075</a:t>
+            </a:r>
+            <a:r>
+              <a:rPr lang="en-US" dirty="0" smtClean="0"/>
+              <a:t>, </a:t>
+            </a:r>
+            <a:r>
+              <a:rPr lang="hr-HR" dirty="0" smtClean="0"/>
+              <a:t>Petra Bevandić</a:t>
+            </a:r>
+            <a:r>
+              <a:rPr lang="en-US" dirty="0" smtClean="0"/>
+              <a:t> </a:t>
+            </a:r>
+            <a:r>
+              <a:rPr lang="hr-HR" dirty="0" smtClean="0"/>
+              <a:t>0036449278</a:t>
+            </a:r>
+            <a:r>
+              <a:rPr lang="en-US" dirty="0" smtClean="0"/>
+              <a:t>, </a:t>
+            </a:r>
             <a:r>
               <a:rPr lang="hr-HR" dirty="0" smtClean="0"/>
               <a:t>Miranda </a:t>
             </a:r>
             <a:r>
-              <a:rPr lang="hr-HR" dirty="0" err="1"/>
+              <a:rPr lang="hr-HR" dirty="0" err="1" smtClean="0"/>
               <a:t>Kreković</a:t>
             </a:r>
-            <a:r>
-              <a:rPr lang="hr-HR" dirty="0"/>
-              <a:t>, 0036449278</a:t>
-            </a:r>
             <a:endParaRPr lang="en-US" dirty="0"/>
           </a:p>
           <a:p>
             <a:r>
               <a:rPr lang="en-US" dirty="0" smtClean="0"/>
+              <a:t>0036449374, </a:t>
+            </a:r>
+            <a:r>
+              <a:rPr lang="en-US" dirty="0"/>
               <a:t>D</a:t>
             </a:r>
             <a:r>
@@ -6210,33 +6228,35 @@
               <a:t> </a:t>
             </a:r>
             <a:r>
-              <a:rPr lang="hr-HR" dirty="0" err="1"/>
+              <a:rPr lang="hr-HR" dirty="0" err="1" smtClean="0"/>
               <a:t>Šalković</a:t>
             </a:r>
-            <a:r>
-              <a:rPr lang="hr-HR" dirty="0"/>
+            <a:endParaRPr lang="en-US" dirty="0"/>
+          </a:p>
+          <a:p>
+            <a:r>
+              <a:rPr lang="en-US" dirty="0" smtClean="0"/>
+              <a:t>0036452457, </a:t>
+            </a:r>
+            <a:r>
+              <a:rPr lang="hr-HR" dirty="0" smtClean="0"/>
+              <a:t>Petra Vučković</a:t>
+            </a:r>
+            <a:r>
+              <a:rPr lang="en-US" dirty="0" smtClean="0"/>
+              <a:t>    </a:t>
+            </a:r>
+            <a:endParaRPr lang="en-US" dirty="0"/>
+          </a:p>
+          <a:p>
+            <a:r>
+              <a:rPr lang="hr-HR" dirty="0" smtClean="0"/>
+              <a:t>0112019329</a:t>
+            </a:r>
+            <a:r>
+              <a:rPr lang="en-US" dirty="0" smtClean="0"/>
               <a:t>, </a:t>
             </a:r>
-            <a:r>
-              <a:rPr lang="en-US" dirty="0"/>
-              <a:t>0036449374</a:t>
-            </a:r>
-          </a:p>
-          <a:p>
-            <a:r>
-              <a:rPr lang="hr-HR" dirty="0" smtClean="0"/>
-              <a:t>Petra </a:t>
-            </a:r>
-            <a:r>
-              <a:rPr lang="hr-HR" dirty="0"/>
-              <a:t>Vučković, </a:t>
-            </a:r>
-            <a:r>
-              <a:rPr lang="en-US" dirty="0"/>
-              <a:t>0036452457</a:t>
-            </a:r>
-          </a:p>
-          <a:p>
             <a:r>
               <a:rPr lang="en-US" dirty="0" smtClean="0"/>
               <a:t>V</a:t>
@@ -6250,16 +6270,8 @@
               <a:t> </a:t>
             </a:r>
             <a:r>
-              <a:rPr lang="hr-HR" dirty="0" err="1"/>
+              <a:rPr lang="hr-HR" dirty="0" err="1" smtClean="0"/>
               <a:t>Vukotić</a:t>
-            </a:r>
-            <a:r>
-              <a:rPr lang="hr-HR" dirty="0"/>
-              <a:t>, </a:t>
-            </a:r>
-            <a:r>
-              <a:rPr lang="hr-HR" dirty="0" smtClean="0"/>
-              <a:t>0112019329</a:t>
             </a:r>
             <a:endParaRPr lang="en-US" dirty="0"/>
           </a:p>
@@ -6409,7 +6421,7 @@
         </p:blipFill>
         <p:spPr>
           <a:xfrm>
-            <a:off x="1123950" y="1853248"/>
+            <a:off x="2038350" y="2061962"/>
             <a:ext cx="3771900" cy="967740"/>
           </a:xfrm>
           <a:prstGeom prst="rect">
@@ -6437,7 +6449,7 @@
         </p:blipFill>
         <p:spPr>
           <a:xfrm>
-            <a:off x="3924300" y="3354545"/>
+            <a:off x="6329570" y="3195519"/>
             <a:ext cx="4600575" cy="969645"/>
           </a:xfrm>
           <a:prstGeom prst="rect">
@@ -6465,7 +6477,7 @@
         </p:blipFill>
         <p:spPr>
           <a:xfrm>
-            <a:off x="952500" y="4857748"/>
+            <a:off x="2607964" y="4937261"/>
             <a:ext cx="5943600" cy="294005"/>
           </a:xfrm>
           <a:prstGeom prst="rect">
@@ -7288,7 +7300,7 @@
         </p:blipFill>
         <p:spPr>
           <a:xfrm>
-            <a:off x="4868544" y="4166586"/>
+            <a:off x="6866414" y="4162777"/>
             <a:ext cx="3865245" cy="829945"/>
           </a:xfrm>
           <a:prstGeom prst="rect">
@@ -7316,7 +7328,7 @@
         </p:blipFill>
         <p:spPr>
           <a:xfrm>
-            <a:off x="2955607" y="3598606"/>
+            <a:off x="4426598" y="3579679"/>
             <a:ext cx="3825875" cy="821690"/>
           </a:xfrm>
           <a:prstGeom prst="rect">
@@ -7367,7 +7379,7 @@
         </p:blipFill>
         <p:spPr>
           <a:xfrm>
-            <a:off x="1274774" y="1471631"/>
+            <a:off x="2393182" y="1417744"/>
             <a:ext cx="2955290" cy="779145"/>
           </a:xfrm>
           <a:prstGeom prst="rect">
@@ -7405,7 +7417,7 @@
         </p:blipFill>
         <p:spPr>
           <a:xfrm>
-            <a:off x="5121604" y="1425744"/>
+            <a:off x="6781482" y="1509656"/>
             <a:ext cx="3792220" cy="347980"/>
           </a:xfrm>
           <a:prstGeom prst="rect">
@@ -7443,7 +7455,7 @@
         </p:blipFill>
         <p:spPr>
           <a:xfrm>
-            <a:off x="5141924" y="1907570"/>
+            <a:off x="6791642" y="2157005"/>
             <a:ext cx="3771900" cy="819150"/>
           </a:xfrm>
           <a:prstGeom prst="rect">
@@ -7471,7 +7483,7 @@
         </p:blipFill>
         <p:spPr>
           <a:xfrm>
-            <a:off x="1274774" y="3011822"/>
+            <a:off x="1947412" y="2988326"/>
             <a:ext cx="3846830" cy="826135"/>
           </a:xfrm>
           <a:prstGeom prst="rect">
@@ -7499,7 +7511,7 @@
         </p:blipFill>
         <p:spPr>
           <a:xfrm>
-            <a:off x="1031557" y="5138802"/>
+            <a:off x="2823781" y="5056311"/>
             <a:ext cx="3848100" cy="721360"/>
           </a:xfrm>
           <a:prstGeom prst="rect">
@@ -7564,7 +7576,7 @@
         </p:blipFill>
         <p:spPr>
           <a:xfrm>
-            <a:off x="1185545" y="3406291"/>
+            <a:off x="2450547" y="3785088"/>
             <a:ext cx="2696845" cy="775335"/>
           </a:xfrm>
           <a:prstGeom prst="rect">
@@ -7592,7 +7604,7 @@
         </p:blipFill>
         <p:spPr>
           <a:xfrm>
-            <a:off x="1185545" y="2851700"/>
+            <a:off x="2444831" y="3223264"/>
             <a:ext cx="2681605" cy="771525"/>
           </a:xfrm>
           <a:prstGeom prst="rect">
@@ -7643,7 +7655,7 @@
         </p:blipFill>
         <p:spPr>
           <a:xfrm>
-            <a:off x="1116012" y="1560312"/>
+            <a:off x="2338152" y="1797162"/>
             <a:ext cx="2809240" cy="419100"/>
           </a:xfrm>
           <a:prstGeom prst="rect">
@@ -7671,7 +7683,7 @@
         </p:blipFill>
         <p:spPr>
           <a:xfrm>
-            <a:off x="1185545" y="2293299"/>
+            <a:off x="2450547" y="2657630"/>
             <a:ext cx="2670175" cy="767715"/>
           </a:xfrm>
           <a:prstGeom prst="rect">
@@ -7699,7 +7711,7 @@
         </p:blipFill>
         <p:spPr>
           <a:xfrm>
-            <a:off x="4769481" y="982977"/>
+            <a:off x="7115942" y="1270856"/>
             <a:ext cx="3295650" cy="788670"/>
           </a:xfrm>
           <a:prstGeom prst="rect">
@@ -7734,7 +7746,7 @@
         </p:blipFill>
         <p:spPr>
           <a:xfrm>
-            <a:off x="4769481" y="1979412"/>
+            <a:off x="7154042" y="2515228"/>
             <a:ext cx="3257550" cy="553085"/>
           </a:xfrm>
           <a:prstGeom prst="rect">
@@ -7762,7 +7774,7 @@
         </p:blipFill>
         <p:spPr>
           <a:xfrm>
-            <a:off x="4251003" y="2971316"/>
+            <a:off x="6616515" y="3643393"/>
             <a:ext cx="4332605" cy="1210310"/>
           </a:xfrm>
           <a:prstGeom prst="rect">
@@ -7790,7 +7802,7 @@
         </p:blipFill>
         <p:spPr>
           <a:xfrm>
-            <a:off x="4326567" y="4598674"/>
+            <a:off x="6692081" y="5532952"/>
             <a:ext cx="4181475" cy="236220"/>
           </a:xfrm>
           <a:prstGeom prst="rect">

--- a/documentation/Izgradnja sufiksnog polja korištenjem Kärkkäinen – Sandersovog algoritma.pptx
+++ b/documentation/Izgradnja sufiksnog polja korištenjem Kärkkäinen – Sandersovog algoritma.pptx
@@ -6255,11 +6255,7 @@
             </a:r>
             <a:r>
               <a:rPr lang="en-US" dirty="0" smtClean="0"/>
-              <a:t>, </a:t>
-            </a:r>
-            <a:r>
-              <a:rPr lang="en-US" dirty="0" smtClean="0"/>
-              <a:t>V</a:t>
+              <a:t>, V</a:t>
             </a:r>
             <a:r>
               <a:rPr lang="hr-HR" dirty="0" err="1" smtClean="0"/>
@@ -6673,7 +6669,12 @@
             <p:ph idx="1"/>
           </p:nvPr>
         </p:nvSpPr>
-        <p:spPr/>
+        <p:spPr>
+          <a:xfrm>
+            <a:off x="1103312" y="2052918"/>
+            <a:ext cx="6410671" cy="4195481"/>
+          </a:xfrm>
+        </p:spPr>
         <p:txBody>
           <a:bodyPr/>
           <a:lstStyle/>
@@ -6768,7 +6769,7 @@
             </a:r>
             <a:r>
               <a:rPr lang="en-US" dirty="0" smtClean="0"/>
-              <a:t>, </a:t>
+              <a:t> </a:t>
             </a:r>
             <a:r>
               <a:rPr lang="en-US" dirty="0" err="1" smtClean="0"/>
@@ -6817,6 +6818,30 @@
           </a:p>
         </p:txBody>
       </p:sp>
+      <p:pic>
+        <p:nvPicPr>
+          <p:cNvPr id="4" name="Picture 3"/>
+          <p:cNvPicPr>
+            <a:picLocks noChangeAspect="1"/>
+          </p:cNvPicPr>
+          <p:nvPr/>
+        </p:nvPicPr>
+        <p:blipFill>
+          <a:blip r:embed="rId2"/>
+          <a:stretch>
+            <a:fillRect/>
+          </a:stretch>
+        </p:blipFill>
+        <p:spPr>
+          <a:xfrm>
+            <a:off x="8527774" y="2052918"/>
+            <a:ext cx="2133600" cy="2838450"/>
+          </a:xfrm>
+          <a:prstGeom prst="rect">
+            <a:avLst/>
+          </a:prstGeom>
+        </p:spPr>
+      </p:pic>
     </p:spTree>
     <p:extLst>
       <p:ext uri="{BB962C8B-B14F-4D97-AF65-F5344CB8AC3E}">
